--- a/intro.pptx
+++ b/intro.pptx
@@ -8041,17 +8041,7 @@
                 <a:latin typeface="微軟正黑體 Light" panose="020B0304030504040204" pitchFamily="34" charset="-120"/>
                 <a:ea typeface="微軟正黑體 Light" panose="020B0304030504040204" pitchFamily="34" charset="-120"/>
               </a:rPr>
-              <a:t>網站</a:t>
-            </a:r>
-            <a:r>
-              <a:rPr lang="zh-TW" altLang="en-US" sz="4000" dirty="0" smtClean="0">
-                <a:solidFill>
-                  <a:schemeClr val="bg1"/>
-                </a:solidFill>
-                <a:latin typeface="微軟正黑體 Light" panose="020B0304030504040204" pitchFamily="34" charset="-120"/>
-                <a:ea typeface="微軟正黑體 Light" panose="020B0304030504040204" pitchFamily="34" charset="-120"/>
-              </a:rPr>
-              <a:t>架構</a:t>
+              <a:t>網站架構</a:t>
             </a:r>
             <a:r>
               <a:rPr lang="en-US" altLang="zh-TW" dirty="0" smtClean="0">
@@ -8529,17 +8519,7 @@
                 <a:latin typeface="微軟正黑體 Light" panose="020B0304030504040204" pitchFamily="34" charset="-120"/>
                 <a:ea typeface="微軟正黑體 Light" panose="020B0304030504040204" pitchFamily="34" charset="-120"/>
               </a:rPr>
-              <a:t>使用</a:t>
-            </a:r>
-            <a:r>
-              <a:rPr lang="zh-TW" altLang="en-US" sz="3200" dirty="0" smtClean="0">
-                <a:solidFill>
-                  <a:schemeClr val="bg1"/>
-                </a:solidFill>
-                <a:latin typeface="微軟正黑體 Light" panose="020B0304030504040204" pitchFamily="34" charset="-120"/>
-                <a:ea typeface="微軟正黑體 Light" panose="020B0304030504040204" pitchFamily="34" charset="-120"/>
-              </a:rPr>
-              <a:t>技術</a:t>
+              <a:t>使用技術</a:t>
             </a:r>
             <a:endParaRPr lang="en-US" altLang="zh-TW" sz="3200" dirty="0" smtClean="0">
               <a:solidFill>
@@ -8559,8 +8539,8 @@
         </p:nvSpPr>
         <p:spPr>
           <a:xfrm>
-            <a:off x="6527018" y="4664290"/>
-            <a:ext cx="4655976" cy="1015663"/>
+            <a:off x="6418951" y="4556224"/>
+            <a:ext cx="5559687" cy="1323439"/>
           </a:xfrm>
           <a:prstGeom prst="rect">
             <a:avLst/>
@@ -8581,27 +8561,7 @@
                 <a:latin typeface="微軟正黑體 Light" panose="020B0304030504040204" pitchFamily="34" charset="-120"/>
                 <a:ea typeface="微軟正黑體 Light" panose="020B0304030504040204" pitchFamily="34" charset="-120"/>
               </a:rPr>
-              <a:t>陳</a:t>
-            </a:r>
-            <a:r>
-              <a:rPr lang="zh-TW" altLang="en-US" sz="2000" dirty="0" smtClean="0">
-                <a:solidFill>
-                  <a:schemeClr val="bg1"/>
-                </a:solidFill>
-                <a:latin typeface="微軟正黑體 Light" panose="020B0304030504040204" pitchFamily="34" charset="-120"/>
-                <a:ea typeface="微軟正黑體 Light" panose="020B0304030504040204" pitchFamily="34" charset="-120"/>
-              </a:rPr>
-              <a:t>品</a:t>
-            </a:r>
-            <a:r>
-              <a:rPr lang="zh-TW" altLang="en-US" sz="2000" dirty="0" smtClean="0">
-                <a:solidFill>
-                  <a:schemeClr val="bg1"/>
-                </a:solidFill>
-                <a:latin typeface="微軟正黑體 Light" panose="020B0304030504040204" pitchFamily="34" charset="-120"/>
-                <a:ea typeface="微軟正黑體 Light" panose="020B0304030504040204" pitchFamily="34" charset="-120"/>
-              </a:rPr>
-              <a:t>逸</a:t>
+              <a:t>陳品逸</a:t>
             </a:r>
             <a:r>
               <a:rPr lang="en-US" altLang="zh-TW" sz="2000" dirty="0">
@@ -8641,7 +8601,47 @@
                 <a:latin typeface="微軟正黑體 Light" panose="020B0304030504040204" pitchFamily="34" charset="-120"/>
                 <a:ea typeface="微軟正黑體 Light" panose="020B0304030504040204" pitchFamily="34" charset="-120"/>
               </a:rPr>
-              <a:t>資料查詢</a:t>
+              <a:t>網頁架構 </a:t>
+            </a:r>
+            <a:r>
+              <a:rPr lang="en-US" altLang="zh-TW" sz="2000" dirty="0" smtClean="0">
+                <a:solidFill>
+                  <a:schemeClr val="bg1"/>
+                </a:solidFill>
+                <a:latin typeface="微軟正黑體 Light" panose="020B0304030504040204" pitchFamily="34" charset="-120"/>
+                <a:ea typeface="微軟正黑體 Light" panose="020B0304030504040204" pitchFamily="34" charset="-120"/>
+              </a:rPr>
+              <a:t>.</a:t>
+            </a:r>
+            <a:r>
+              <a:rPr lang="zh-TW" altLang="en-US" sz="2000" dirty="0" smtClean="0">
+                <a:solidFill>
+                  <a:schemeClr val="bg1"/>
+                </a:solidFill>
+                <a:latin typeface="微軟正黑體 Light" panose="020B0304030504040204" pitchFamily="34" charset="-120"/>
+                <a:ea typeface="微軟正黑體 Light" panose="020B0304030504040204" pitchFamily="34" charset="-120"/>
+              </a:rPr>
+              <a:t> </a:t>
+            </a:r>
+            <a:r>
+              <a:rPr lang="zh-TW" altLang="en-US" sz="2000" dirty="0" smtClean="0">
+                <a:solidFill>
+                  <a:schemeClr val="bg1"/>
+                </a:solidFill>
+                <a:latin typeface="微軟正黑體 Light" panose="020B0304030504040204" pitchFamily="34" charset="-120"/>
+                <a:ea typeface="微軟正黑體 Light" panose="020B0304030504040204" pitchFamily="34" charset="-120"/>
+              </a:rPr>
+              <a:t>資料</a:t>
+            </a:r>
+            <a:r>
+              <a:rPr lang="zh-TW" altLang="en-US" sz="2000" dirty="0" smtClean="0">
+                <a:solidFill>
+                  <a:schemeClr val="bg1"/>
+                </a:solidFill>
+                <a:latin typeface="微軟正黑體 Light" panose="020B0304030504040204" pitchFamily="34" charset="-120"/>
+                <a:ea typeface="微軟正黑體 Light" panose="020B0304030504040204" pitchFamily="34" charset="-120"/>
+              </a:rPr>
+              <a:t>查詢</a:t>
             </a:r>
             <a:r>
               <a:rPr lang="zh-TW" altLang="en-US" sz="2000" dirty="0" smtClean="0">
@@ -8661,7 +8661,7 @@
                 <a:latin typeface="微軟正黑體 Light" panose="020B0304030504040204" pitchFamily="34" charset="-120"/>
                 <a:ea typeface="微軟正黑體 Light" panose="020B0304030504040204" pitchFamily="34" charset="-120"/>
               </a:rPr>
-              <a:t>. </a:t>
+              <a:t>.</a:t>
             </a:r>
             <a:r>
               <a:rPr lang="zh-TW" altLang="en-US" sz="2000" dirty="0" smtClean="0">
@@ -8671,27 +8671,18 @@
                 <a:latin typeface="微軟正黑體 Light" panose="020B0304030504040204" pitchFamily="34" charset="-120"/>
                 <a:ea typeface="微軟正黑體 Light" panose="020B0304030504040204" pitchFamily="34" charset="-120"/>
               </a:rPr>
-              <a:t>排版</a:t>
-            </a:r>
-            <a:r>
-              <a:rPr lang="zh-TW" altLang="en-US" sz="2000" dirty="0" smtClean="0">
+              <a:t> 撰寫</a:t>
+            </a:r>
+            <a:r>
+              <a:rPr lang="en-US" altLang="zh-TW" sz="2000" dirty="0" smtClean="0">
                 <a:solidFill>
                   <a:schemeClr val="bg1"/>
                 </a:solidFill>
                 <a:latin typeface="微軟正黑體 Light" panose="020B0304030504040204" pitchFamily="34" charset="-120"/>
                 <a:ea typeface="微軟正黑體 Light" panose="020B0304030504040204" pitchFamily="34" charset="-120"/>
               </a:rPr>
-              <a:t>呈現</a:t>
-            </a:r>
-            <a:endParaRPr lang="en-US" altLang="zh-TW" sz="2000" dirty="0" smtClean="0">
-              <a:solidFill>
-                <a:schemeClr val="bg1"/>
-              </a:solidFill>
-              <a:latin typeface="微軟正黑體 Light" panose="020B0304030504040204" pitchFamily="34" charset="-120"/>
-              <a:ea typeface="微軟正黑體 Light" panose="020B0304030504040204" pitchFamily="34" charset="-120"/>
-            </a:endParaRPr>
-          </a:p>
-          <a:p>
+              <a:t>Code</a:t>
+            </a:r>
             <a:endParaRPr lang="en-US" altLang="zh-TW" sz="2000" dirty="0">
               <a:solidFill>
                 <a:schemeClr val="bg1"/>
@@ -8709,6 +8700,25 @@
                 <a:latin typeface="微軟正黑體 Light" panose="020B0304030504040204" pitchFamily="34" charset="-120"/>
                 <a:ea typeface="微軟正黑體 Light" panose="020B0304030504040204" pitchFamily="34" charset="-120"/>
               </a:rPr>
+              <a:t> </a:t>
+            </a:r>
+            <a:endParaRPr lang="en-US" altLang="zh-TW" sz="2000" dirty="0">
+              <a:solidFill>
+                <a:schemeClr val="bg1"/>
+              </a:solidFill>
+              <a:latin typeface="微軟正黑體 Light" panose="020B0304030504040204" pitchFamily="34" charset="-120"/>
+              <a:ea typeface="微軟正黑體 Light" panose="020B0304030504040204" pitchFamily="34" charset="-120"/>
+            </a:endParaRPr>
+          </a:p>
+          <a:p>
+            <a:r>
+              <a:rPr lang="zh-TW" altLang="en-US" sz="2000" dirty="0" smtClean="0">
+                <a:solidFill>
+                  <a:schemeClr val="bg1"/>
+                </a:solidFill>
+                <a:latin typeface="微軟正黑體 Light" panose="020B0304030504040204" pitchFamily="34" charset="-120"/>
+                <a:ea typeface="微軟正黑體 Light" panose="020B0304030504040204" pitchFamily="34" charset="-120"/>
+              </a:rPr>
               <a:t>方子元 </a:t>
             </a:r>
             <a:r>
@@ -8729,17 +8739,17 @@
                 <a:latin typeface="微軟正黑體 Light" panose="020B0304030504040204" pitchFamily="34" charset="-120"/>
                 <a:ea typeface="微軟正黑體 Light" panose="020B0304030504040204" pitchFamily="34" charset="-120"/>
               </a:rPr>
-              <a:t> </a:t>
-            </a:r>
-            <a:r>
-              <a:rPr lang="zh-TW" altLang="en-US" sz="2000" dirty="0" smtClean="0">
+              <a:t>  </a:t>
+            </a:r>
+            <a:r>
+              <a:rPr lang="en-US" altLang="zh-TW" sz="2000" dirty="0" smtClean="0">
                 <a:solidFill>
                   <a:schemeClr val="bg1"/>
                 </a:solidFill>
                 <a:latin typeface="微軟正黑體 Light" panose="020B0304030504040204" pitchFamily="34" charset="-120"/>
                 <a:ea typeface="微軟正黑體 Light" panose="020B0304030504040204" pitchFamily="34" charset="-120"/>
               </a:rPr>
-              <a:t>網頁</a:t>
+              <a:t>jQuery</a:t>
             </a:r>
             <a:r>
               <a:rPr lang="zh-TW" altLang="en-US" sz="2000" dirty="0" smtClean="0">
@@ -8749,7 +8759,7 @@
                 <a:latin typeface="微軟正黑體 Light" panose="020B0304030504040204" pitchFamily="34" charset="-120"/>
                 <a:ea typeface="微軟正黑體 Light" panose="020B0304030504040204" pitchFamily="34" charset="-120"/>
               </a:rPr>
-              <a:t>架構 </a:t>
+              <a:t> </a:t>
             </a:r>
             <a:r>
               <a:rPr lang="en-US" altLang="zh-TW" sz="2000" dirty="0" smtClean="0">
@@ -8759,28 +8769,60 @@
                 <a:latin typeface="微軟正黑體 Light" panose="020B0304030504040204" pitchFamily="34" charset="-120"/>
                 <a:ea typeface="微軟正黑體 Light" panose="020B0304030504040204" pitchFamily="34" charset="-120"/>
               </a:rPr>
-              <a:t>. </a:t>
-            </a:r>
-            <a:r>
-              <a:rPr lang="en-US" altLang="zh-TW" sz="2000" dirty="0" err="1" smtClean="0">
+              <a:t>.</a:t>
+            </a:r>
+            <a:r>
+              <a:rPr lang="zh-TW" altLang="en-US" sz="2000" dirty="0" smtClean="0">
                 <a:solidFill>
                   <a:schemeClr val="bg1"/>
                 </a:solidFill>
                 <a:latin typeface="微軟正黑體 Light" panose="020B0304030504040204" pitchFamily="34" charset="-120"/>
                 <a:ea typeface="微軟正黑體 Light" panose="020B0304030504040204" pitchFamily="34" charset="-120"/>
               </a:rPr>
-              <a:t>Javascript</a:t>
-            </a:r>
-            <a:r>
-              <a:rPr lang="en-US" altLang="zh-TW" sz="2000" dirty="0" smtClean="0">
+              <a:t> </a:t>
+            </a:r>
+            <a:r>
+              <a:rPr lang="zh-TW" altLang="en-US" sz="2000" dirty="0" smtClean="0">
                 <a:solidFill>
                   <a:schemeClr val="bg1"/>
                 </a:solidFill>
                 <a:latin typeface="微軟正黑體 Light" panose="020B0304030504040204" pitchFamily="34" charset="-120"/>
                 <a:ea typeface="微軟正黑體 Light" panose="020B0304030504040204" pitchFamily="34" charset="-120"/>
               </a:rPr>
-              <a:t> . jQuery</a:t>
-            </a:r>
+              <a:t>排版呈現 </a:t>
+            </a:r>
+            <a:r>
+              <a:rPr lang="en-US" altLang="zh-TW" sz="2000" dirty="0" smtClean="0">
+                <a:solidFill>
+                  <a:schemeClr val="bg1"/>
+                </a:solidFill>
+                <a:latin typeface="微軟正黑體 Light" panose="020B0304030504040204" pitchFamily="34" charset="-120"/>
+                <a:ea typeface="微軟正黑體 Light" panose="020B0304030504040204" pitchFamily="34" charset="-120"/>
+              </a:rPr>
+              <a:t>.</a:t>
+            </a:r>
+            <a:r>
+              <a:rPr lang="zh-TW" altLang="en-US" sz="2000" dirty="0">
+                <a:solidFill>
+                  <a:schemeClr val="bg1"/>
+                </a:solidFill>
+                <a:latin typeface="微軟正黑體 Light" panose="020B0304030504040204" pitchFamily="34" charset="-120"/>
+                <a:ea typeface="微軟正黑體 Light" panose="020B0304030504040204" pitchFamily="34" charset="-120"/>
+              </a:rPr>
+              <a:t>撰寫</a:t>
+            </a:r>
+            <a:r>
+              <a:rPr lang="en-US" altLang="zh-TW" sz="2000" dirty="0">
+                <a:solidFill>
+                  <a:schemeClr val="bg1"/>
+                </a:solidFill>
+                <a:latin typeface="微軟正黑體 Light" panose="020B0304030504040204" pitchFamily="34" charset="-120"/>
+                <a:ea typeface="微軟正黑體 Light" panose="020B0304030504040204" pitchFamily="34" charset="-120"/>
+              </a:rPr>
+              <a:t>Code</a:t>
+            </a:r>
+          </a:p>
+          <a:p>
             <a:endParaRPr lang="zh-TW" altLang="en-US" sz="2000" dirty="0">
               <a:solidFill>
                 <a:schemeClr val="bg1"/>
